--- a/06. Entwicklung einer App für Windows Phone/06. Entwickeln einer App für Windows Phone.pptx
+++ b/06. Entwicklung einer App für Windows Phone/06. Entwickeln einer App für Windows Phone.pptx
@@ -319,7 +319,7 @@
               <a:pPr>
                 <a:defRPr/>
               </a:pPr>
-              <a:t>01.09.2015</a:t>
+              <a:t>21.09.2015</a:t>
             </a:fld>
             <a:endParaRPr lang="de-DE"/>
           </a:p>
@@ -518,7 +518,7 @@
               <a:pPr>
                 <a:defRPr/>
               </a:pPr>
-              <a:t>2015-09-01</a:t>
+              <a:t>2015-09-21</a:t>
             </a:fld>
             <a:endParaRPr lang="sv-SE"/>
           </a:p>
@@ -2968,15 +2968,7 @@
           <a:p>
             <a:r>
               <a:rPr lang="de-DE" dirty="0" smtClean="0"/>
-              <a:t>- Demo </a:t>
-            </a:r>
-            <a:r>
-              <a:rPr lang="de-DE" dirty="0" smtClean="0"/>
-              <a:t>WP </a:t>
-            </a:r>
-            <a:r>
-              <a:rPr lang="de-DE" dirty="0" smtClean="0"/>
-              <a:t>App </a:t>
+              <a:t>- Demo WP App </a:t>
             </a:r>
             <a:r>
               <a:rPr lang="de-DE" dirty="0" err="1" smtClean="0"/>
@@ -2994,7 +2986,6 @@
               <a:rPr lang="de-DE" dirty="0" smtClean="0"/>
               <a:t> -</a:t>
             </a:r>
-            <a:endParaRPr lang="de-DE" dirty="0" smtClean="0"/>
           </a:p>
         </p:txBody>
       </p:sp>
@@ -7064,7 +7055,7 @@
 </file>
 
 <file path=ppt/slides/slide10.xml><?xml version="1.0" encoding="utf-8"?>
-<p:sld xmlns:a="http://schemas.openxmlformats.org/drawingml/2006/main" xmlns:r="http://schemas.openxmlformats.org/officeDocument/2006/relationships" xmlns:p="http://schemas.openxmlformats.org/presentationml/2006/main">
+<p:sld xmlns:a="http://schemas.openxmlformats.org/drawingml/2006/main" xmlns:r="http://schemas.openxmlformats.org/officeDocument/2006/relationships" xmlns:p="http://schemas.openxmlformats.org/presentationml/2006/main" show="0">
   <p:cSld>
     <p:spTree>
       <p:nvGrpSpPr>
@@ -7144,6 +7135,14 @@
   <p:clrMapOvr>
     <a:masterClrMapping/>
   </p:clrMapOvr>
+  <mc:AlternateContent xmlns:mc="http://schemas.openxmlformats.org/markup-compatibility/2006">
+    <mc:Choice xmlns:p14="http://schemas.microsoft.com/office/powerpoint/2010/main" Requires="p14">
+      <p:transition spd="slow" p14:dur="2000"/>
+    </mc:Choice>
+    <mc:Fallback>
+      <p:transition spd="slow"/>
+    </mc:Fallback>
+  </mc:AlternateContent>
   <p:timing>
     <p:tnLst>
       <p:par>
@@ -7345,7 +7344,7 @@
 </file>
 
 <file path=ppt/slides/slide12.xml><?xml version="1.0" encoding="utf-8"?>
-<p:sld xmlns:a="http://schemas.openxmlformats.org/drawingml/2006/main" xmlns:r="http://schemas.openxmlformats.org/officeDocument/2006/relationships" xmlns:p="http://schemas.openxmlformats.org/presentationml/2006/main">
+<p:sld xmlns:a="http://schemas.openxmlformats.org/drawingml/2006/main" xmlns:r="http://schemas.openxmlformats.org/officeDocument/2006/relationships" xmlns:p="http://schemas.openxmlformats.org/presentationml/2006/main" show="0">
   <p:cSld>
     <p:spTree>
       <p:nvGrpSpPr>
@@ -7581,6 +7580,14 @@
   <p:clrMapOvr>
     <a:masterClrMapping/>
   </p:clrMapOvr>
+  <mc:AlternateContent xmlns:mc="http://schemas.openxmlformats.org/markup-compatibility/2006">
+    <mc:Choice xmlns:p14="http://schemas.microsoft.com/office/powerpoint/2010/main" Requires="p14">
+      <p:transition spd="slow" p14:dur="2000"/>
+    </mc:Choice>
+    <mc:Fallback>
+      <p:transition spd="slow"/>
+    </mc:Fallback>
+  </mc:AlternateContent>
   <p:timing>
     <p:tnLst>
       <p:par>
@@ -7650,7 +7657,12 @@
             <p:ph idx="1"/>
           </p:nvPr>
         </p:nvSpPr>
-        <p:spPr/>
+        <p:spPr>
+          <a:xfrm>
+            <a:off x="587304" y="1341753"/>
+            <a:ext cx="10968110" cy="5257347"/>
+          </a:xfrm>
+        </p:spPr>
         <p:txBody>
           <a:bodyPr/>
           <a:lstStyle/>
@@ -7690,6 +7702,18 @@
             <a:r>
               <a:rPr lang="de-DE" dirty="0"/>
               <a:t>XAML </a:t>
+            </a:r>
+            <a:endParaRPr lang="de-DE" dirty="0" smtClean="0"/>
+          </a:p>
+          <a:p>
+            <a:pPr lvl="1">
+              <a:lnSpc>
+                <a:spcPct val="150000"/>
+              </a:lnSpc>
+            </a:pPr>
+            <a:r>
+              <a:rPr lang="de-DE" dirty="0" smtClean="0"/>
+              <a:t>Views</a:t>
             </a:r>
             <a:endParaRPr lang="de-DE" dirty="0" smtClean="0"/>
           </a:p>
@@ -7833,7 +7857,477 @@
   <p:timing>
     <p:tnLst>
       <p:par>
-        <p:cTn id="1" dur="indefinite" restart="never" nodeType="tmRoot"/>
+        <p:cTn id="1" dur="indefinite" restart="never" nodeType="tmRoot">
+          <p:childTnLst>
+            <p:seq concurrent="1" nextAc="seek">
+              <p:cTn id="2" dur="indefinite" nodeType="mainSeq">
+                <p:childTnLst>
+                  <p:par>
+                    <p:cTn id="3" fill="hold">
+                      <p:stCondLst>
+                        <p:cond delay="indefinite"/>
+                        <p:cond evt="onBegin" delay="0">
+                          <p:tn val="2"/>
+                        </p:cond>
+                      </p:stCondLst>
+                      <p:childTnLst>
+                        <p:par>
+                          <p:cTn id="4" fill="hold">
+                            <p:stCondLst>
+                              <p:cond delay="0"/>
+                            </p:stCondLst>
+                            <p:childTnLst>
+                              <p:par>
+                                <p:cTn id="5" presetID="1" presetClass="entr" presetSubtype="0" fill="hold" nodeType="withEffect">
+                                  <p:stCondLst>
+                                    <p:cond delay="0"/>
+                                  </p:stCondLst>
+                                  <p:childTnLst>
+                                    <p:set>
+                                      <p:cBhvr>
+                                        <p:cTn id="6" dur="1" fill="hold">
+                                          <p:stCondLst>
+                                            <p:cond delay="0"/>
+                                          </p:stCondLst>
+                                        </p:cTn>
+                                        <p:tgtEl>
+                                          <p:spTgt spid="3">
+                                            <p:txEl>
+                                              <p:pRg st="0" end="0"/>
+                                            </p:txEl>
+                                          </p:spTgt>
+                                        </p:tgtEl>
+                                        <p:attrNameLst>
+                                          <p:attrName>style.visibility</p:attrName>
+                                        </p:attrNameLst>
+                                      </p:cBhvr>
+                                      <p:to>
+                                        <p:strVal val="visible"/>
+                                      </p:to>
+                                    </p:set>
+                                  </p:childTnLst>
+                                </p:cTn>
+                              </p:par>
+                              <p:par>
+                                <p:cTn id="7" presetID="1" presetClass="entr" presetSubtype="0" fill="hold" nodeType="withEffect">
+                                  <p:stCondLst>
+                                    <p:cond delay="0"/>
+                                  </p:stCondLst>
+                                  <p:childTnLst>
+                                    <p:set>
+                                      <p:cBhvr>
+                                        <p:cTn id="8" dur="1" fill="hold">
+                                          <p:stCondLst>
+                                            <p:cond delay="0"/>
+                                          </p:stCondLst>
+                                        </p:cTn>
+                                        <p:tgtEl>
+                                          <p:spTgt spid="3">
+                                            <p:txEl>
+                                              <p:pRg st="1" end="1"/>
+                                            </p:txEl>
+                                          </p:spTgt>
+                                        </p:tgtEl>
+                                        <p:attrNameLst>
+                                          <p:attrName>style.visibility</p:attrName>
+                                        </p:attrNameLst>
+                                      </p:cBhvr>
+                                      <p:to>
+                                        <p:strVal val="visible"/>
+                                      </p:to>
+                                    </p:set>
+                                  </p:childTnLst>
+                                </p:cTn>
+                              </p:par>
+                            </p:childTnLst>
+                          </p:cTn>
+                        </p:par>
+                      </p:childTnLst>
+                    </p:cTn>
+                  </p:par>
+                  <p:par>
+                    <p:cTn id="9" fill="hold">
+                      <p:stCondLst>
+                        <p:cond delay="indefinite"/>
+                      </p:stCondLst>
+                      <p:childTnLst>
+                        <p:par>
+                          <p:cTn id="10" fill="hold">
+                            <p:stCondLst>
+                              <p:cond delay="0"/>
+                            </p:stCondLst>
+                            <p:childTnLst>
+                              <p:par>
+                                <p:cTn id="11" presetID="1" presetClass="entr" presetSubtype="0" fill="hold" nodeType="clickEffect">
+                                  <p:stCondLst>
+                                    <p:cond delay="0"/>
+                                  </p:stCondLst>
+                                  <p:childTnLst>
+                                    <p:set>
+                                      <p:cBhvr>
+                                        <p:cTn id="12" dur="1" fill="hold">
+                                          <p:stCondLst>
+                                            <p:cond delay="0"/>
+                                          </p:stCondLst>
+                                        </p:cTn>
+                                        <p:tgtEl>
+                                          <p:spTgt spid="3">
+                                            <p:txEl>
+                                              <p:pRg st="2" end="2"/>
+                                            </p:txEl>
+                                          </p:spTgt>
+                                        </p:tgtEl>
+                                        <p:attrNameLst>
+                                          <p:attrName>style.visibility</p:attrName>
+                                        </p:attrNameLst>
+                                      </p:cBhvr>
+                                      <p:to>
+                                        <p:strVal val="visible"/>
+                                      </p:to>
+                                    </p:set>
+                                  </p:childTnLst>
+                                </p:cTn>
+                              </p:par>
+                            </p:childTnLst>
+                          </p:cTn>
+                        </p:par>
+                      </p:childTnLst>
+                    </p:cTn>
+                  </p:par>
+                  <p:par>
+                    <p:cTn id="13" fill="hold">
+                      <p:stCondLst>
+                        <p:cond delay="indefinite"/>
+                      </p:stCondLst>
+                      <p:childTnLst>
+                        <p:par>
+                          <p:cTn id="14" fill="hold">
+                            <p:stCondLst>
+                              <p:cond delay="0"/>
+                            </p:stCondLst>
+                            <p:childTnLst>
+                              <p:par>
+                                <p:cTn id="15" presetID="1" presetClass="entr" presetSubtype="0" fill="hold" nodeType="clickEffect">
+                                  <p:stCondLst>
+                                    <p:cond delay="0"/>
+                                  </p:stCondLst>
+                                  <p:childTnLst>
+                                    <p:set>
+                                      <p:cBhvr>
+                                        <p:cTn id="16" dur="1" fill="hold">
+                                          <p:stCondLst>
+                                            <p:cond delay="0"/>
+                                          </p:stCondLst>
+                                        </p:cTn>
+                                        <p:tgtEl>
+                                          <p:spTgt spid="3">
+                                            <p:txEl>
+                                              <p:pRg st="3" end="3"/>
+                                            </p:txEl>
+                                          </p:spTgt>
+                                        </p:tgtEl>
+                                        <p:attrNameLst>
+                                          <p:attrName>style.visibility</p:attrName>
+                                        </p:attrNameLst>
+                                      </p:cBhvr>
+                                      <p:to>
+                                        <p:strVal val="visible"/>
+                                      </p:to>
+                                    </p:set>
+                                  </p:childTnLst>
+                                </p:cTn>
+                              </p:par>
+                              <p:par>
+                                <p:cTn id="17" presetID="1" presetClass="entr" presetSubtype="0" fill="hold" nodeType="withEffect">
+                                  <p:stCondLst>
+                                    <p:cond delay="0"/>
+                                  </p:stCondLst>
+                                  <p:childTnLst>
+                                    <p:set>
+                                      <p:cBhvr>
+                                        <p:cTn id="18" dur="1" fill="hold">
+                                          <p:stCondLst>
+                                            <p:cond delay="0"/>
+                                          </p:stCondLst>
+                                        </p:cTn>
+                                        <p:tgtEl>
+                                          <p:spTgt spid="3">
+                                            <p:txEl>
+                                              <p:pRg st="4" end="4"/>
+                                            </p:txEl>
+                                          </p:spTgt>
+                                        </p:tgtEl>
+                                        <p:attrNameLst>
+                                          <p:attrName>style.visibility</p:attrName>
+                                        </p:attrNameLst>
+                                      </p:cBhvr>
+                                      <p:to>
+                                        <p:strVal val="visible"/>
+                                      </p:to>
+                                    </p:set>
+                                  </p:childTnLst>
+                                </p:cTn>
+                              </p:par>
+                              <p:par>
+                                <p:cTn id="19" presetID="1" presetClass="entr" presetSubtype="0" fill="hold" nodeType="withEffect">
+                                  <p:stCondLst>
+                                    <p:cond delay="0"/>
+                                  </p:stCondLst>
+                                  <p:childTnLst>
+                                    <p:set>
+                                      <p:cBhvr>
+                                        <p:cTn id="20" dur="1" fill="hold">
+                                          <p:stCondLst>
+                                            <p:cond delay="0"/>
+                                          </p:stCondLst>
+                                        </p:cTn>
+                                        <p:tgtEl>
+                                          <p:spTgt spid="3">
+                                            <p:txEl>
+                                              <p:pRg st="5" end="5"/>
+                                            </p:txEl>
+                                          </p:spTgt>
+                                        </p:tgtEl>
+                                        <p:attrNameLst>
+                                          <p:attrName>style.visibility</p:attrName>
+                                        </p:attrNameLst>
+                                      </p:cBhvr>
+                                      <p:to>
+                                        <p:strVal val="visible"/>
+                                      </p:to>
+                                    </p:set>
+                                  </p:childTnLst>
+                                </p:cTn>
+                              </p:par>
+                              <p:par>
+                                <p:cTn id="21" presetID="1" presetClass="entr" presetSubtype="0" fill="hold" nodeType="withEffect">
+                                  <p:stCondLst>
+                                    <p:cond delay="0"/>
+                                  </p:stCondLst>
+                                  <p:childTnLst>
+                                    <p:set>
+                                      <p:cBhvr>
+                                        <p:cTn id="22" dur="1" fill="hold">
+                                          <p:stCondLst>
+                                            <p:cond delay="0"/>
+                                          </p:stCondLst>
+                                        </p:cTn>
+                                        <p:tgtEl>
+                                          <p:spTgt spid="3">
+                                            <p:txEl>
+                                              <p:pRg st="6" end="6"/>
+                                            </p:txEl>
+                                          </p:spTgt>
+                                        </p:tgtEl>
+                                        <p:attrNameLst>
+                                          <p:attrName>style.visibility</p:attrName>
+                                        </p:attrNameLst>
+                                      </p:cBhvr>
+                                      <p:to>
+                                        <p:strVal val="visible"/>
+                                      </p:to>
+                                    </p:set>
+                                  </p:childTnLst>
+                                </p:cTn>
+                              </p:par>
+                            </p:childTnLst>
+                          </p:cTn>
+                        </p:par>
+                      </p:childTnLst>
+                    </p:cTn>
+                  </p:par>
+                  <p:par>
+                    <p:cTn id="23" fill="hold">
+                      <p:stCondLst>
+                        <p:cond delay="indefinite"/>
+                      </p:stCondLst>
+                      <p:childTnLst>
+                        <p:par>
+                          <p:cTn id="24" fill="hold">
+                            <p:stCondLst>
+                              <p:cond delay="0"/>
+                            </p:stCondLst>
+                            <p:childTnLst>
+                              <p:par>
+                                <p:cTn id="25" presetID="1" presetClass="entr" presetSubtype="0" fill="hold" nodeType="clickEffect">
+                                  <p:stCondLst>
+                                    <p:cond delay="0"/>
+                                  </p:stCondLst>
+                                  <p:childTnLst>
+                                    <p:set>
+                                      <p:cBhvr>
+                                        <p:cTn id="26" dur="1" fill="hold">
+                                          <p:stCondLst>
+                                            <p:cond delay="0"/>
+                                          </p:stCondLst>
+                                        </p:cTn>
+                                        <p:tgtEl>
+                                          <p:spTgt spid="3">
+                                            <p:txEl>
+                                              <p:pRg st="7" end="7"/>
+                                            </p:txEl>
+                                          </p:spTgt>
+                                        </p:tgtEl>
+                                        <p:attrNameLst>
+                                          <p:attrName>style.visibility</p:attrName>
+                                        </p:attrNameLst>
+                                      </p:cBhvr>
+                                      <p:to>
+                                        <p:strVal val="visible"/>
+                                      </p:to>
+                                    </p:set>
+                                  </p:childTnLst>
+                                </p:cTn>
+                              </p:par>
+                              <p:par>
+                                <p:cTn id="27" presetID="1" presetClass="entr" presetSubtype="0" fill="hold" nodeType="withEffect">
+                                  <p:stCondLst>
+                                    <p:cond delay="0"/>
+                                  </p:stCondLst>
+                                  <p:childTnLst>
+                                    <p:set>
+                                      <p:cBhvr>
+                                        <p:cTn id="28" dur="1" fill="hold">
+                                          <p:stCondLst>
+                                            <p:cond delay="0"/>
+                                          </p:stCondLst>
+                                        </p:cTn>
+                                        <p:tgtEl>
+                                          <p:spTgt spid="3">
+                                            <p:txEl>
+                                              <p:pRg st="8" end="8"/>
+                                            </p:txEl>
+                                          </p:spTgt>
+                                        </p:tgtEl>
+                                        <p:attrNameLst>
+                                          <p:attrName>style.visibility</p:attrName>
+                                        </p:attrNameLst>
+                                      </p:cBhvr>
+                                      <p:to>
+                                        <p:strVal val="visible"/>
+                                      </p:to>
+                                    </p:set>
+                                  </p:childTnLst>
+                                </p:cTn>
+                              </p:par>
+                              <p:par>
+                                <p:cTn id="29" presetID="1" presetClass="entr" presetSubtype="0" fill="hold" nodeType="withEffect">
+                                  <p:stCondLst>
+                                    <p:cond delay="0"/>
+                                  </p:stCondLst>
+                                  <p:childTnLst>
+                                    <p:set>
+                                      <p:cBhvr>
+                                        <p:cTn id="30" dur="1" fill="hold">
+                                          <p:stCondLst>
+                                            <p:cond delay="0"/>
+                                          </p:stCondLst>
+                                        </p:cTn>
+                                        <p:tgtEl>
+                                          <p:spTgt spid="3">
+                                            <p:txEl>
+                                              <p:pRg st="9" end="9"/>
+                                            </p:txEl>
+                                          </p:spTgt>
+                                        </p:tgtEl>
+                                        <p:attrNameLst>
+                                          <p:attrName>style.visibility</p:attrName>
+                                        </p:attrNameLst>
+                                      </p:cBhvr>
+                                      <p:to>
+                                        <p:strVal val="visible"/>
+                                      </p:to>
+                                    </p:set>
+                                  </p:childTnLst>
+                                </p:cTn>
+                              </p:par>
+                              <p:par>
+                                <p:cTn id="31" presetID="1" presetClass="entr" presetSubtype="0" fill="hold" nodeType="withEffect">
+                                  <p:stCondLst>
+                                    <p:cond delay="0"/>
+                                  </p:stCondLst>
+                                  <p:childTnLst>
+                                    <p:set>
+                                      <p:cBhvr>
+                                        <p:cTn id="32" dur="1" fill="hold">
+                                          <p:stCondLst>
+                                            <p:cond delay="0"/>
+                                          </p:stCondLst>
+                                        </p:cTn>
+                                        <p:tgtEl>
+                                          <p:spTgt spid="3">
+                                            <p:txEl>
+                                              <p:pRg st="10" end="10"/>
+                                            </p:txEl>
+                                          </p:spTgt>
+                                        </p:tgtEl>
+                                        <p:attrNameLst>
+                                          <p:attrName>style.visibility</p:attrName>
+                                        </p:attrNameLst>
+                                      </p:cBhvr>
+                                      <p:to>
+                                        <p:strVal val="visible"/>
+                                      </p:to>
+                                    </p:set>
+                                  </p:childTnLst>
+                                </p:cTn>
+                              </p:par>
+                              <p:par>
+                                <p:cTn id="33" presetID="1" presetClass="entr" presetSubtype="0" fill="hold" nodeType="withEffect">
+                                  <p:stCondLst>
+                                    <p:cond delay="0"/>
+                                  </p:stCondLst>
+                                  <p:childTnLst>
+                                    <p:set>
+                                      <p:cBhvr>
+                                        <p:cTn id="34" dur="1" fill="hold">
+                                          <p:stCondLst>
+                                            <p:cond delay="0"/>
+                                          </p:stCondLst>
+                                        </p:cTn>
+                                        <p:tgtEl>
+                                          <p:spTgt spid="3">
+                                            <p:txEl>
+                                              <p:pRg st="11" end="11"/>
+                                            </p:txEl>
+                                          </p:spTgt>
+                                        </p:tgtEl>
+                                        <p:attrNameLst>
+                                          <p:attrName>style.visibility</p:attrName>
+                                        </p:attrNameLst>
+                                      </p:cBhvr>
+                                      <p:to>
+                                        <p:strVal val="visible"/>
+                                      </p:to>
+                                    </p:set>
+                                  </p:childTnLst>
+                                </p:cTn>
+                              </p:par>
+                            </p:childTnLst>
+                          </p:cTn>
+                        </p:par>
+                      </p:childTnLst>
+                    </p:cTn>
+                  </p:par>
+                </p:childTnLst>
+              </p:cTn>
+              <p:prevCondLst>
+                <p:cond evt="onPrev" delay="0">
+                  <p:tgtEl>
+                    <p:sldTgt/>
+                  </p:tgtEl>
+                </p:cond>
+              </p:prevCondLst>
+              <p:nextCondLst>
+                <p:cond evt="onNext" delay="0">
+                  <p:tgtEl>
+                    <p:sldTgt/>
+                  </p:tgtEl>
+                </p:cond>
+              </p:nextCondLst>
+            </p:seq>
+          </p:childTnLst>
+        </p:cTn>
       </p:par>
     </p:tnLst>
   </p:timing>
@@ -7879,11 +8373,7 @@
             </a:pPr>
             <a:r>
               <a:rPr lang="de-DE" dirty="0" smtClean="0"/>
-              <a:t>5. Entwickeln </a:t>
-            </a:r>
-            <a:r>
-              <a:rPr lang="de-DE" dirty="0" smtClean="0"/>
-              <a:t>von ViewModels</a:t>
+              <a:t>5. Entwickeln von ViewModels</a:t>
             </a:r>
             <a:endParaRPr lang="de-DE" dirty="0"/>
           </a:p>
@@ -8942,11 +9432,7 @@
             </a:pPr>
             <a:r>
               <a:rPr lang="de-DE" dirty="0" smtClean="0"/>
-              <a:t>5.2 </a:t>
-            </a:r>
-            <a:r>
-              <a:rPr lang="de-DE" dirty="0" smtClean="0"/>
-              <a:t>Ohne Datenbindung</a:t>
+              <a:t>5.2 Ohne Datenbindung</a:t>
             </a:r>
             <a:endParaRPr lang="de-DE" dirty="0"/>
           </a:p>
@@ -9300,15 +9786,7 @@
             </a:r>
             <a:r>
               <a:rPr lang="de-DE" dirty="0" smtClean="0"/>
-              <a:t>, </a:t>
-            </a:r>
-            <a:r>
-              <a:rPr lang="de-DE" dirty="0" smtClean="0"/>
-              <a:t>wird UI automatisch </a:t>
-            </a:r>
-            <a:r>
-              <a:rPr lang="de-DE" dirty="0" smtClean="0"/>
-              <a:t>aktualisiert (</a:t>
+              <a:t>, wird UI automatisch aktualisiert (</a:t>
             </a:r>
             <a:r>
               <a:rPr lang="de-DE" dirty="0" err="1" smtClean="0"/>
@@ -9318,7 +9796,6 @@
               <a:rPr lang="de-DE" dirty="0" smtClean="0"/>
               <a:t> Way Binding)</a:t>
             </a:r>
-            <a:endParaRPr lang="de-DE" dirty="0" smtClean="0"/>
           </a:p>
           <a:p>
             <a:pPr lvl="1">
@@ -9328,11 +9805,7 @@
             </a:pPr>
             <a:r>
               <a:rPr lang="de-DE" dirty="0" smtClean="0"/>
-              <a:t>Veränderung durch den Benutzer auf der UI kann automatisch ins ViewModel übertragen </a:t>
-            </a:r>
-            <a:r>
-              <a:rPr lang="de-DE" dirty="0" smtClean="0"/>
-              <a:t>werden (</a:t>
+              <a:t>Veränderung durch den Benutzer auf der UI kann automatisch ins ViewModel übertragen werden (</a:t>
             </a:r>
             <a:r>
               <a:rPr lang="de-DE" dirty="0" err="1" smtClean="0"/>
@@ -9519,11 +9992,7 @@
             </a:pPr>
             <a:r>
               <a:rPr lang="de-DE" dirty="0" smtClean="0"/>
-              <a:t>Werte während der Datenbindung </a:t>
-            </a:r>
-            <a:r>
-              <a:rPr lang="de-DE" dirty="0" smtClean="0"/>
-              <a:t>verändern</a:t>
+              <a:t>Werte während der Datenbindung verändern</a:t>
             </a:r>
           </a:p>
           <a:p>
@@ -10039,7 +10508,7 @@
           <p:nvPr>
             <p:extLst>
               <p:ext uri="{D42A27DB-BD31-4B8C-83A1-F6EECF244321}">
-                <p14:modId xmlns:p14="http://schemas.microsoft.com/office/powerpoint/2010/main" val="1051600875"/>
+                <p14:modId xmlns:p14="http://schemas.microsoft.com/office/powerpoint/2010/main" val="664804072"/>
               </p:ext>
             </p:extLst>
           </p:nvPr>
@@ -10152,7 +10621,7 @@
                     <a:p>
                       <a:r>
                         <a:rPr lang="de-DE" b="0" dirty="0" smtClean="0"/>
-                        <a:t>02 | Einrichten der Entwicklungsumgebung</a:t>
+                        <a:t>02 | Vorbereitung und Projektsetup</a:t>
                       </a:r>
                       <a:endParaRPr lang="de-DE" b="0" dirty="0"/>
                     </a:p>
@@ -10541,7 +11010,6 @@
               <a:rPr lang="de-DE" dirty="0"/>
               <a:t>. Anbindung der API über Services</a:t>
             </a:r>
-            <a:endParaRPr lang="de-DE" dirty="0"/>
           </a:p>
         </p:txBody>
       </p:sp>
@@ -10662,7 +11130,6 @@
               <a:rPr lang="de-DE" dirty="0"/>
               <a:t>Like-Funktion verwenden</a:t>
             </a:r>
-            <a:endParaRPr lang="de-DE" dirty="0"/>
           </a:p>
         </p:txBody>
       </p:sp>
@@ -10779,11 +11246,7 @@
             </a:pPr>
             <a:r>
               <a:rPr lang="de-DE" dirty="0" smtClean="0"/>
-              <a:t>7. </a:t>
-            </a:r>
-            <a:r>
-              <a:rPr lang="de-DE" dirty="0" smtClean="0"/>
-              <a:t>Windows Phone API: </a:t>
+              <a:t>7. Windows Phone API: </a:t>
             </a:r>
             <a:r>
               <a:rPr lang="de-DE" dirty="0" err="1" smtClean="0"/>
@@ -10853,15 +11316,7 @@
             </a:pPr>
             <a:r>
               <a:rPr lang="de-DE" dirty="0" smtClean="0"/>
-              <a:t>Bild </a:t>
-            </a:r>
-            <a:r>
-              <a:rPr lang="de-DE" dirty="0" smtClean="0"/>
-              <a:t>an API senden (Rückgabe </a:t>
-            </a:r>
-            <a:r>
-              <a:rPr lang="de-DE" dirty="0" smtClean="0"/>
-              <a:t>image-</a:t>
+              <a:t>Bild an API senden (Rückgabe image-</a:t>
             </a:r>
             <a:r>
               <a:rPr lang="de-DE" dirty="0" err="1" smtClean="0"/>
@@ -10958,7 +11413,6 @@
               <a:rPr lang="de-DE" dirty="0"/>
               <a:t> auf der API erstellen</a:t>
             </a:r>
-            <a:endParaRPr lang="de-DE" dirty="0"/>
           </a:p>
         </p:txBody>
       </p:sp>
@@ -11073,11 +11527,7 @@
             </a:pPr>
             <a:r>
               <a:rPr lang="de-DE" dirty="0" smtClean="0"/>
-              <a:t>App einmal </a:t>
-            </a:r>
-            <a:r>
-              <a:rPr lang="de-DE" dirty="0" smtClean="0"/>
-              <a:t>entwickeln – auf allen Windows-Plattformen nutzen</a:t>
+              <a:t>App einmal entwickeln – auf allen Windows-Plattformen nutzen</a:t>
             </a:r>
           </a:p>
           <a:p>
@@ -11109,6 +11559,10 @@
                 <a:spcPct val="150000"/>
               </a:lnSpc>
             </a:pPr>
+            <a:r>
+              <a:rPr lang="de-DE" smtClean="0"/>
+              <a:t>Deployment</a:t>
+            </a:r>
             <a:endParaRPr lang="de-DE" dirty="0"/>
           </a:p>
         </p:txBody>
@@ -11296,14 +11750,14 @@
           <p:nvPr>
             <p:extLst>
               <p:ext uri="{D42A27DB-BD31-4B8C-83A1-F6EECF244321}">
-                <p14:modId xmlns:p14="http://schemas.microsoft.com/office/powerpoint/2010/main" val="415535785"/>
+                <p14:modId xmlns:p14="http://schemas.microsoft.com/office/powerpoint/2010/main" val="2988743165"/>
               </p:ext>
             </p:extLst>
           </p:nvPr>
         </p:nvGraphicFramePr>
         <p:xfrm>
           <a:off x="587297" y="1444713"/>
-          <a:ext cx="11015817" cy="3508287"/>
+          <a:ext cx="11015817" cy="3889287"/>
         </p:xfrm>
         <a:graphic>
           <a:graphicData uri="http://schemas.openxmlformats.org/drawingml/2006/table">
@@ -11383,15 +11837,7 @@
                     <a:p>
                       <a:r>
                         <a:rPr lang="de-DE" b="0" dirty="0" smtClean="0"/>
-                        <a:t>06 | Entwicklung einer App für Windows Phone Teil 1 (</a:t>
-                      </a:r>
-                      <a:r>
-                        <a:rPr lang="de-DE" b="0" dirty="0" smtClean="0"/>
-                        <a:t>Hands-On </a:t>
-                      </a:r>
-                      <a:r>
-                        <a:rPr lang="de-DE" b="0" dirty="0" smtClean="0"/>
-                        <a:t>Views)</a:t>
+                        <a:t>06 | Entwicklung einer App für Windows Phone Teil 1 (Hands-On Views)</a:t>
                       </a:r>
                       <a:endParaRPr lang="de-DE" b="0" dirty="0"/>
                     </a:p>
@@ -11468,15 +11914,7 @@
                     <a:p>
                       <a:r>
                         <a:rPr lang="de-DE" b="0" dirty="0" smtClean="0"/>
-                        <a:t>06 | Entwicklung einer App für Windows Phone Teil 2 (</a:t>
-                      </a:r>
-                      <a:r>
-                        <a:rPr lang="de-DE" b="0" dirty="0" smtClean="0"/>
-                        <a:t>Hands-On </a:t>
-                      </a:r>
-                      <a:r>
-                        <a:rPr lang="de-DE" b="0" dirty="0" smtClean="0"/>
-                        <a:t>ViewModels)</a:t>
+                        <a:t>06 | Entwicklung einer App für Windows Phone Teil 2 (Hands-On ViewModels)</a:t>
                       </a:r>
                       <a:endParaRPr lang="de-DE" b="0" dirty="0"/>
                     </a:p>
@@ -11541,11 +11979,7 @@
                     <a:p>
                       <a:r>
                         <a:rPr lang="de-DE" dirty="0" smtClean="0"/>
-                        <a:t>06 | Entwicklung einer App für Windows Phone Teil 3 (</a:t>
-                      </a:r>
-                      <a:r>
-                        <a:rPr lang="de-DE" dirty="0" smtClean="0"/>
-                        <a:t>Hands-On</a:t>
+                        <a:t>06 | Entwicklung einer App für Windows Phone Teil 3 (Hands-On</a:t>
                       </a:r>
                       <a:r>
                         <a:rPr lang="de-DE" baseline="0" dirty="0" smtClean="0"/>
@@ -11553,11 +11987,7 @@
                       </a:r>
                       <a:r>
                         <a:rPr lang="de-DE" dirty="0" smtClean="0"/>
-                        <a:t>Services</a:t>
-                      </a:r>
-                      <a:r>
-                        <a:rPr lang="de-DE" dirty="0" smtClean="0"/>
-                        <a:t>)</a:t>
+                        <a:t>Services)</a:t>
                       </a:r>
                       <a:endParaRPr lang="de-DE" dirty="0"/>
                     </a:p>
@@ -11604,7 +12034,11 @@
                     <a:p>
                       <a:r>
                         <a:rPr lang="de-DE" dirty="0" smtClean="0"/>
-                        <a:t>14:45 – 16:15</a:t>
+                        <a:t>14:45 – </a:t>
+                      </a:r>
+                      <a:r>
+                        <a:rPr lang="de-DE" dirty="0" smtClean="0"/>
+                        <a:t>16:00</a:t>
                       </a:r>
                       <a:endParaRPr lang="de-DE" dirty="0"/>
                     </a:p>
@@ -11618,11 +12052,7 @@
                     <a:p>
                       <a:r>
                         <a:rPr lang="de-DE" b="0" dirty="0" smtClean="0"/>
-                        <a:t>06 | Entwicklung einer App für Windows Phone Teil 4 (</a:t>
-                      </a:r>
-                      <a:r>
-                        <a:rPr lang="de-DE" b="0" dirty="0" smtClean="0"/>
-                        <a:t>Hands-On</a:t>
+                        <a:t>06 | Entwicklung einer App für Windows Phone Teil 4 (Hands-On</a:t>
                       </a:r>
                       <a:r>
                         <a:rPr lang="de-DE" b="0" baseline="0" dirty="0" smtClean="0"/>
@@ -11646,7 +12076,49 @@
                     <a:p>
                       <a:r>
                         <a:rPr lang="de-DE" dirty="0" smtClean="0"/>
-                        <a:t>16:15 – 17:00</a:t>
+                        <a:t>16:00 – 17:00</a:t>
+                      </a:r>
+                      <a:endParaRPr lang="de-DE" dirty="0"/>
+                    </a:p>
+                  </a:txBody>
+                  <a:tcPr/>
+                </a:tc>
+                <a:tc>
+                  <a:txBody>
+                    <a:bodyPr/>
+                    <a:lstStyle/>
+                    <a:p>
+                      <a:r>
+                        <a:rPr lang="de-DE" b="0" dirty="0" smtClean="0"/>
+                        <a:t>Universal </a:t>
+                      </a:r>
+                      <a:r>
+                        <a:rPr lang="de-DE" b="0" dirty="0" smtClean="0"/>
+                        <a:t>App Plattform</a:t>
+                      </a:r>
+                      <a:endParaRPr lang="de-DE" b="0" dirty="0"/>
+                    </a:p>
+                  </a:txBody>
+                  <a:tcPr/>
+                </a:tc>
+              </a:tr>
+              <a:tr h="370840">
+                <a:tc>
+                  <a:txBody>
+                    <a:bodyPr/>
+                    <a:lstStyle/>
+                    <a:p>
+                      <a:r>
+                        <a:rPr lang="de-DE" dirty="0" smtClean="0"/>
+                        <a:t>17:00 </a:t>
+                      </a:r>
+                      <a:r>
+                        <a:rPr lang="de-DE" dirty="0" smtClean="0"/>
+                        <a:t>– </a:t>
+                      </a:r>
+                      <a:r>
+                        <a:rPr lang="de-DE" dirty="0" smtClean="0"/>
+                        <a:t>17:30</a:t>
                       </a:r>
                       <a:endParaRPr lang="de-DE" dirty="0"/>
                     </a:p>
@@ -11734,11 +12206,7 @@
           <a:p>
             <a:r>
               <a:rPr lang="de-DE" dirty="0" smtClean="0"/>
-              <a:t>06 | </a:t>
-            </a:r>
-            <a:r>
-              <a:rPr lang="de-DE" dirty="0" smtClean="0"/>
-              <a:t>Entwicklung </a:t>
+              <a:t>06 | Entwicklung </a:t>
             </a:r>
             <a:r>
               <a:rPr lang="de-DE" dirty="0"/>
@@ -11859,11 +12327,11 @@
             </a:pPr>
             <a:r>
               <a:rPr lang="de-DE" dirty="0" smtClean="0"/>
-              <a:t>Veröffentlichung </a:t>
-            </a:r>
-            <a:r>
-              <a:rPr lang="de-DE" dirty="0" smtClean="0"/>
-              <a:t>der API in Microsoft Azure</a:t>
+              <a:t>Veröffentlichung der API in Microsoft </a:t>
+            </a:r>
+            <a:r>
+              <a:rPr lang="de-DE" dirty="0" smtClean="0"/>
+              <a:t>Azure</a:t>
             </a:r>
           </a:p>
           <a:p>
@@ -11962,7 +12430,6 @@
               <a:rPr lang="de-DE" dirty="0" smtClean="0"/>
               <a:t>Anbindung der API über Services</a:t>
             </a:r>
-            <a:endParaRPr lang="de-DE" dirty="0" smtClean="0"/>
           </a:p>
           <a:p>
             <a:pPr marL="342900" indent="-342900">
@@ -11991,9 +12458,24 @@
               <a:buAutoNum type="arabicPeriod"/>
             </a:pPr>
             <a:r>
-              <a:rPr lang="de-DE" dirty="0" smtClean="0"/>
-              <a:t>Zusammenfassung und Fazit</a:t>
-            </a:r>
+              <a:rPr lang="de-DE" dirty="0"/>
+              <a:t>Universal App Plattform</a:t>
+            </a:r>
+            <a:endParaRPr lang="de-DE" dirty="0" smtClean="0"/>
+          </a:p>
+          <a:p>
+            <a:pPr marL="342900" indent="-342900">
+              <a:lnSpc>
+                <a:spcPct val="150000"/>
+              </a:lnSpc>
+              <a:buFont typeface="+mj-lt"/>
+              <a:buAutoNum type="arabicPeriod"/>
+            </a:pPr>
+            <a:r>
+              <a:rPr lang="de-DE" dirty="0" smtClean="0"/>
+              <a:t>Zusammenfassung, Feedbackrunde</a:t>
+            </a:r>
+            <a:endParaRPr lang="de-DE" dirty="0" smtClean="0"/>
           </a:p>
         </p:txBody>
       </p:sp>
@@ -12129,10 +12611,10 @@
               </a:lnSpc>
             </a:pPr>
             <a:r>
-              <a:rPr lang="de-DE" altLang="de-DE" dirty="0" smtClean="0"/>
-              <a:t>http://</a:t>
-            </a:r>
-            <a:endParaRPr lang="de-DE" altLang="de-DE" dirty="0"/>
+              <a:rPr lang="de-DE" altLang="de-DE" b="1" dirty="0" smtClean="0"/>
+              <a:t>http://acando-workshop.azurewebsites.net</a:t>
+            </a:r>
+            <a:endParaRPr lang="de-DE" altLang="de-DE" b="1" dirty="0"/>
           </a:p>
           <a:p>
             <a:pPr>
@@ -12152,9 +12634,14 @@
               </a:lnSpc>
             </a:pPr>
             <a:r>
-              <a:rPr lang="de-DE" altLang="de-DE" dirty="0" smtClean="0"/>
-              <a:t>http://</a:t>
-            </a:r>
+              <a:rPr lang="de-DE" altLang="de-DE" b="1" dirty="0" smtClean="0"/>
+              <a:t>http</a:t>
+            </a:r>
+            <a:r>
+              <a:rPr lang="de-DE" altLang="de-DE" b="1" dirty="0" smtClean="0"/>
+              <a:t>://acando-workshop.azurewebsites.net/api</a:t>
+            </a:r>
+            <a:endParaRPr lang="de-DE" altLang="de-DE" b="1" dirty="0" smtClean="0"/>
           </a:p>
         </p:txBody>
       </p:sp>
@@ -12702,15 +13189,7 @@
             </a:pPr>
             <a:r>
               <a:rPr lang="de-DE" altLang="de-DE" dirty="0" smtClean="0"/>
-              <a:t>Gleiche App </a:t>
-            </a:r>
-            <a:r>
-              <a:rPr lang="de-DE" altLang="de-DE" dirty="0" smtClean="0"/>
-              <a:t>auf allen </a:t>
-            </a:r>
-            <a:r>
-              <a:rPr lang="de-DE" altLang="de-DE" dirty="0" smtClean="0"/>
-              <a:t>Plattformen nutzbar</a:t>
+              <a:t>Gleiche App auf allen Plattformen nutzbar</a:t>
             </a:r>
             <a:endParaRPr lang="de-DE" altLang="de-DE" dirty="0"/>
           </a:p>
